--- a/DigitalMoment.pptx
+++ b/DigitalMoment.pptx
@@ -8,10 +8,13 @@
     <p:sldId id="256" r:id="rId2"/>
     <p:sldId id="258" r:id="rId3"/>
     <p:sldId id="259" r:id="rId4"/>
-    <p:sldId id="257" r:id="rId5"/>
-    <p:sldId id="261" r:id="rId6"/>
-    <p:sldId id="262" r:id="rId7"/>
-    <p:sldId id="260" r:id="rId8"/>
+    <p:sldId id="263" r:id="rId5"/>
+    <p:sldId id="264" r:id="rId6"/>
+    <p:sldId id="265" r:id="rId7"/>
+    <p:sldId id="257" r:id="rId8"/>
+    <p:sldId id="261" r:id="rId9"/>
+    <p:sldId id="262" r:id="rId10"/>
+    <p:sldId id="260" r:id="rId11"/>
   </p:sldIdLst>
   <p:sldSz cx="12192000" cy="6858000"/>
   <p:notesSz cx="6858000" cy="9144000"/>
@@ -3851,6 +3854,161 @@
 </p:sld>
 </file>
 
+<file path=ppt/slides/slide10.xml><?xml version="1.0" encoding="utf-8"?>
+<p:sld xmlns:a="http://schemas.openxmlformats.org/drawingml/2006/main" xmlns:r="http://schemas.openxmlformats.org/officeDocument/2006/relationships" xmlns:p="http://schemas.openxmlformats.org/presentationml/2006/main">
+  <p:cSld>
+    <p:spTree>
+      <p:nvGrpSpPr>
+        <p:cNvPr id="1" name=""/>
+        <p:cNvGrpSpPr/>
+        <p:nvPr/>
+      </p:nvGrpSpPr>
+      <p:grpSpPr>
+        <a:xfrm>
+          <a:off x="0" y="0"/>
+          <a:ext cx="0" cy="0"/>
+          <a:chOff x="0" y="0"/>
+          <a:chExt cx="0" cy="0"/>
+        </a:xfrm>
+      </p:grpSpPr>
+      <p:sp>
+        <p:nvSpPr>
+          <p:cNvPr id="2" name="Title 1">
+            <a:extLst>
+              <a:ext uri="{FF2B5EF4-FFF2-40B4-BE49-F238E27FC236}">
+                <a16:creationId xmlns:a16="http://schemas.microsoft.com/office/drawing/2014/main" id="{F9FD8146-41D9-9CE0-5A77-0D6B7C911C8D}"/>
+              </a:ext>
+            </a:extLst>
+          </p:cNvPr>
+          <p:cNvSpPr>
+            <a:spLocks noGrp="1"/>
+          </p:cNvSpPr>
+          <p:nvPr>
+            <p:ph type="title"/>
+          </p:nvPr>
+        </p:nvSpPr>
+        <p:spPr/>
+        <p:txBody>
+          <a:bodyPr/>
+          <a:lstStyle/>
+          <a:p>
+            <a:r>
+              <a:rPr lang="en-CA" dirty="0"/>
+              <a:t>Thank you for listening!</a:t>
+            </a:r>
+            <a:endParaRPr lang="fr-CA" dirty="0"/>
+          </a:p>
+        </p:txBody>
+      </p:sp>
+      <p:pic>
+        <p:nvPicPr>
+          <p:cNvPr id="1026" name="Picture 2" descr="Digital Moment">
+            <a:extLst>
+              <a:ext uri="{FF2B5EF4-FFF2-40B4-BE49-F238E27FC236}">
+                <a16:creationId xmlns:a16="http://schemas.microsoft.com/office/drawing/2014/main" id="{37ADF6FD-0B02-F44A-70DA-7A8EFA06AE73}"/>
+              </a:ext>
+            </a:extLst>
+          </p:cNvPr>
+          <p:cNvPicPr>
+            <a:picLocks noGrp="1" noChangeAspect="1" noChangeArrowheads="1"/>
+          </p:cNvPicPr>
+          <p:nvPr>
+            <p:ph idx="1"/>
+          </p:nvPr>
+        </p:nvPicPr>
+        <p:blipFill>
+          <a:blip r:embed="rId2">
+            <a:extLst>
+              <a:ext uri="{28A0092B-C50C-407E-A947-70E740481C1C}">
+                <a14:useLocalDpi xmlns:a14="http://schemas.microsoft.com/office/drawing/2010/main" val="0"/>
+              </a:ext>
+            </a:extLst>
+          </a:blip>
+          <a:srcRect/>
+          <a:stretch>
+            <a:fillRect/>
+          </a:stretch>
+        </p:blipFill>
+        <p:spPr bwMode="auto">
+          <a:xfrm>
+            <a:off x="93524" y="2298941"/>
+            <a:ext cx="6465712" cy="3636963"/>
+          </a:xfrm>
+          <a:prstGeom prst="rect">
+            <a:avLst/>
+          </a:prstGeom>
+          <a:noFill/>
+          <a:extLst>
+            <a:ext uri="{909E8E84-426E-40DD-AFC4-6F175D3DCCD1}">
+              <a14:hiddenFill xmlns:a14="http://schemas.microsoft.com/office/drawing/2010/main">
+                <a:solidFill>
+                  <a:srgbClr val="FFFFFF"/>
+                </a:solidFill>
+              </a14:hiddenFill>
+            </a:ext>
+          </a:extLst>
+        </p:spPr>
+      </p:pic>
+      <p:pic>
+        <p:nvPicPr>
+          <p:cNvPr id="1028" name="Picture 4" descr="Morgan Stanley at Work Unveils Second Annual State of the Workplace  Financial Benefits Study | Business Wire">
+            <a:extLst>
+              <a:ext uri="{FF2B5EF4-FFF2-40B4-BE49-F238E27FC236}">
+                <a16:creationId xmlns:a16="http://schemas.microsoft.com/office/drawing/2014/main" id="{F500EDB4-CB66-6F95-1319-5F614FB5EBDB}"/>
+              </a:ext>
+            </a:extLst>
+          </p:cNvPr>
+          <p:cNvPicPr>
+            <a:picLocks noChangeAspect="1" noChangeArrowheads="1"/>
+          </p:cNvPicPr>
+          <p:nvPr/>
+        </p:nvPicPr>
+        <p:blipFill>
+          <a:blip r:embed="rId3">
+            <a:extLst>
+              <a:ext uri="{28A0092B-C50C-407E-A947-70E740481C1C}">
+                <a14:useLocalDpi xmlns:a14="http://schemas.microsoft.com/office/drawing/2010/main" val="0"/>
+              </a:ext>
+            </a:extLst>
+          </a:blip>
+          <a:srcRect/>
+          <a:stretch>
+            <a:fillRect/>
+          </a:stretch>
+        </p:blipFill>
+        <p:spPr bwMode="auto">
+          <a:xfrm>
+            <a:off x="5969725" y="3045252"/>
+            <a:ext cx="4963887" cy="2481944"/>
+          </a:xfrm>
+          <a:prstGeom prst="rect">
+            <a:avLst/>
+          </a:prstGeom>
+          <a:noFill/>
+          <a:extLst>
+            <a:ext uri="{909E8E84-426E-40DD-AFC4-6F175D3DCCD1}">
+              <a14:hiddenFill xmlns:a14="http://schemas.microsoft.com/office/drawing/2010/main">
+                <a:solidFill>
+                  <a:srgbClr val="FFFFFF"/>
+                </a:solidFill>
+              </a14:hiddenFill>
+            </a:ext>
+          </a:extLst>
+        </p:spPr>
+      </p:pic>
+    </p:spTree>
+    <p:extLst>
+      <p:ext uri="{BB962C8B-B14F-4D97-AF65-F5344CB8AC3E}">
+        <p14:creationId xmlns:p14="http://schemas.microsoft.com/office/powerpoint/2010/main" val="1805917077"/>
+      </p:ext>
+    </p:extLst>
+  </p:cSld>
+  <p:clrMapOvr>
+    <a:masterClrMapping/>
+  </p:clrMapOvr>
+</p:sld>
+</file>
+
 <file path=ppt/slides/slide2.xml><?xml version="1.0" encoding="utf-8"?>
 <p:sld xmlns:a="http://schemas.openxmlformats.org/drawingml/2006/main" xmlns:r="http://schemas.openxmlformats.org/officeDocument/2006/relationships" xmlns:p="http://schemas.openxmlformats.org/presentationml/2006/main">
   <p:cSld>
@@ -4126,6 +4284,288 @@
           <p:cNvPr id="2" name="Title 1">
             <a:extLst>
               <a:ext uri="{FF2B5EF4-FFF2-40B4-BE49-F238E27FC236}">
+                <a16:creationId xmlns:a16="http://schemas.microsoft.com/office/drawing/2014/main" id="{126110C7-41FF-6D8E-AACF-9CA9A4334C98}"/>
+              </a:ext>
+            </a:extLst>
+          </p:cNvPr>
+          <p:cNvSpPr>
+            <a:spLocks noGrp="1"/>
+          </p:cNvSpPr>
+          <p:nvPr>
+            <p:ph type="title"/>
+          </p:nvPr>
+        </p:nvSpPr>
+        <p:spPr/>
+        <p:txBody>
+          <a:bodyPr/>
+          <a:lstStyle/>
+          <a:p>
+            <a:r>
+              <a:rPr lang="en-CA" dirty="0"/>
+              <a:t>Functionality</a:t>
+            </a:r>
+            <a:endParaRPr lang="fr-CA" dirty="0"/>
+          </a:p>
+        </p:txBody>
+      </p:sp>
+      <p:pic>
+        <p:nvPicPr>
+          <p:cNvPr id="9" name="Content Placeholder 8" descr="Map&#10;&#10;Description automatically generated">
+            <a:extLst>
+              <a:ext uri="{FF2B5EF4-FFF2-40B4-BE49-F238E27FC236}">
+                <a16:creationId xmlns:a16="http://schemas.microsoft.com/office/drawing/2014/main" id="{E426519A-D36A-1BBA-4216-6F20CDD0B07A}"/>
+              </a:ext>
+            </a:extLst>
+          </p:cNvPr>
+          <p:cNvPicPr>
+            <a:picLocks noGrp="1" noChangeAspect="1"/>
+          </p:cNvPicPr>
+          <p:nvPr>
+            <p:ph idx="1"/>
+          </p:nvPr>
+        </p:nvPicPr>
+        <p:blipFill>
+          <a:blip r:embed="rId2">
+            <a:extLst>
+              <a:ext uri="{28A0092B-C50C-407E-A947-70E740481C1C}">
+                <a14:useLocalDpi xmlns:a14="http://schemas.microsoft.com/office/drawing/2010/main" val="0"/>
+              </a:ext>
+            </a:extLst>
+          </a:blip>
+          <a:stretch>
+            <a:fillRect/>
+          </a:stretch>
+        </p:blipFill>
+        <p:spPr>
+          <a:xfrm>
+            <a:off x="2609448" y="1575085"/>
+            <a:ext cx="6973104" cy="4328293"/>
+          </a:xfrm>
+        </p:spPr>
+      </p:pic>
+    </p:spTree>
+    <p:extLst>
+      <p:ext uri="{BB962C8B-B14F-4D97-AF65-F5344CB8AC3E}">
+        <p14:creationId xmlns:p14="http://schemas.microsoft.com/office/powerpoint/2010/main" val="540244828"/>
+      </p:ext>
+    </p:extLst>
+  </p:cSld>
+  <p:clrMapOvr>
+    <a:masterClrMapping/>
+  </p:clrMapOvr>
+</p:sld>
+</file>
+
+<file path=ppt/slides/slide5.xml><?xml version="1.0" encoding="utf-8"?>
+<p:sld xmlns:a="http://schemas.openxmlformats.org/drawingml/2006/main" xmlns:r="http://schemas.openxmlformats.org/officeDocument/2006/relationships" xmlns:p="http://schemas.openxmlformats.org/presentationml/2006/main">
+  <p:cSld>
+    <p:spTree>
+      <p:nvGrpSpPr>
+        <p:cNvPr id="1" name=""/>
+        <p:cNvGrpSpPr/>
+        <p:nvPr/>
+      </p:nvGrpSpPr>
+      <p:grpSpPr>
+        <a:xfrm>
+          <a:off x="0" y="0"/>
+          <a:ext cx="0" cy="0"/>
+          <a:chOff x="0" y="0"/>
+          <a:chExt cx="0" cy="0"/>
+        </a:xfrm>
+      </p:grpSpPr>
+      <p:sp>
+        <p:nvSpPr>
+          <p:cNvPr id="2" name="Title 1">
+            <a:extLst>
+              <a:ext uri="{FF2B5EF4-FFF2-40B4-BE49-F238E27FC236}">
+                <a16:creationId xmlns:a16="http://schemas.microsoft.com/office/drawing/2014/main" id="{75961C4A-0EEC-CE5E-2EE9-C1BBD63EEE04}"/>
+              </a:ext>
+            </a:extLst>
+          </p:cNvPr>
+          <p:cNvSpPr>
+            <a:spLocks noGrp="1"/>
+          </p:cNvSpPr>
+          <p:nvPr>
+            <p:ph type="title"/>
+          </p:nvPr>
+        </p:nvSpPr>
+        <p:spPr/>
+        <p:txBody>
+          <a:bodyPr/>
+          <a:lstStyle/>
+          <a:p>
+            <a:r>
+              <a:rPr lang="en-CA" dirty="0"/>
+              <a:t>Functionality</a:t>
+            </a:r>
+            <a:endParaRPr lang="fr-CA" dirty="0"/>
+          </a:p>
+        </p:txBody>
+      </p:sp>
+      <p:pic>
+        <p:nvPicPr>
+          <p:cNvPr id="5" name="Content Placeholder 4" descr="Graphical user interface, text, application, chat or text message&#10;&#10;Description automatically generated">
+            <a:extLst>
+              <a:ext uri="{FF2B5EF4-FFF2-40B4-BE49-F238E27FC236}">
+                <a16:creationId xmlns:a16="http://schemas.microsoft.com/office/drawing/2014/main" id="{2375B546-3FB3-819E-69E2-9AF8C8E4D3BF}"/>
+              </a:ext>
+            </a:extLst>
+          </p:cNvPr>
+          <p:cNvPicPr>
+            <a:picLocks noGrp="1" noChangeAspect="1"/>
+          </p:cNvPicPr>
+          <p:nvPr>
+            <p:ph idx="1"/>
+          </p:nvPr>
+        </p:nvPicPr>
+        <p:blipFill>
+          <a:blip r:embed="rId2">
+            <a:extLst>
+              <a:ext uri="{28A0092B-C50C-407E-A947-70E740481C1C}">
+                <a14:useLocalDpi xmlns:a14="http://schemas.microsoft.com/office/drawing/2010/main" val="0"/>
+              </a:ext>
+            </a:extLst>
+          </a:blip>
+          <a:stretch>
+            <a:fillRect/>
+          </a:stretch>
+        </p:blipFill>
+        <p:spPr>
+          <a:xfrm>
+            <a:off x="2210525" y="1574798"/>
+            <a:ext cx="7214723" cy="4507992"/>
+          </a:xfrm>
+        </p:spPr>
+      </p:pic>
+    </p:spTree>
+    <p:extLst>
+      <p:ext uri="{BB962C8B-B14F-4D97-AF65-F5344CB8AC3E}">
+        <p14:creationId xmlns:p14="http://schemas.microsoft.com/office/powerpoint/2010/main" val="3582457778"/>
+      </p:ext>
+    </p:extLst>
+  </p:cSld>
+  <p:clrMapOvr>
+    <a:masterClrMapping/>
+  </p:clrMapOvr>
+</p:sld>
+</file>
+
+<file path=ppt/slides/slide6.xml><?xml version="1.0" encoding="utf-8"?>
+<p:sld xmlns:a="http://schemas.openxmlformats.org/drawingml/2006/main" xmlns:r="http://schemas.openxmlformats.org/officeDocument/2006/relationships" xmlns:p="http://schemas.openxmlformats.org/presentationml/2006/main">
+  <p:cSld>
+    <p:spTree>
+      <p:nvGrpSpPr>
+        <p:cNvPr id="1" name=""/>
+        <p:cNvGrpSpPr/>
+        <p:nvPr/>
+      </p:nvGrpSpPr>
+      <p:grpSpPr>
+        <a:xfrm>
+          <a:off x="0" y="0"/>
+          <a:ext cx="0" cy="0"/>
+          <a:chOff x="0" y="0"/>
+          <a:chExt cx="0" cy="0"/>
+        </a:xfrm>
+      </p:grpSpPr>
+      <p:sp>
+        <p:nvSpPr>
+          <p:cNvPr id="2" name="Title 1">
+            <a:extLst>
+              <a:ext uri="{FF2B5EF4-FFF2-40B4-BE49-F238E27FC236}">
+                <a16:creationId xmlns:a16="http://schemas.microsoft.com/office/drawing/2014/main" id="{D664BAA4-A616-8BF8-C06F-6BD01980568C}"/>
+              </a:ext>
+            </a:extLst>
+          </p:cNvPr>
+          <p:cNvSpPr>
+            <a:spLocks noGrp="1"/>
+          </p:cNvSpPr>
+          <p:nvPr>
+            <p:ph type="title"/>
+          </p:nvPr>
+        </p:nvSpPr>
+        <p:spPr/>
+        <p:txBody>
+          <a:bodyPr/>
+          <a:lstStyle/>
+          <a:p>
+            <a:r>
+              <a:rPr lang="en-CA" dirty="0"/>
+              <a:t>Functionality</a:t>
+            </a:r>
+            <a:endParaRPr lang="fr-CA" dirty="0"/>
+          </a:p>
+        </p:txBody>
+      </p:sp>
+      <p:pic>
+        <p:nvPicPr>
+          <p:cNvPr id="5" name="Content Placeholder 4" descr="Map&#10;&#10;Description automatically generated">
+            <a:extLst>
+              <a:ext uri="{FF2B5EF4-FFF2-40B4-BE49-F238E27FC236}">
+                <a16:creationId xmlns:a16="http://schemas.microsoft.com/office/drawing/2014/main" id="{3CC82490-3D77-A1BE-EE3D-CBE9F0242D69}"/>
+              </a:ext>
+            </a:extLst>
+          </p:cNvPr>
+          <p:cNvPicPr>
+            <a:picLocks noGrp="1" noChangeAspect="1"/>
+          </p:cNvPicPr>
+          <p:nvPr>
+            <p:ph idx="1"/>
+          </p:nvPr>
+        </p:nvPicPr>
+        <p:blipFill>
+          <a:blip r:embed="rId2">
+            <a:extLst>
+              <a:ext uri="{28A0092B-C50C-407E-A947-70E740481C1C}">
+                <a14:useLocalDpi xmlns:a14="http://schemas.microsoft.com/office/drawing/2010/main" val="0"/>
+              </a:ext>
+            </a:extLst>
+          </a:blip>
+          <a:stretch>
+            <a:fillRect/>
+          </a:stretch>
+        </p:blipFill>
+        <p:spPr>
+          <a:xfrm>
+            <a:off x="2118030" y="1578926"/>
+            <a:ext cx="7955939" cy="4508366"/>
+          </a:xfrm>
+        </p:spPr>
+      </p:pic>
+    </p:spTree>
+    <p:extLst>
+      <p:ext uri="{BB962C8B-B14F-4D97-AF65-F5344CB8AC3E}">
+        <p14:creationId xmlns:p14="http://schemas.microsoft.com/office/powerpoint/2010/main" val="2823466893"/>
+      </p:ext>
+    </p:extLst>
+  </p:cSld>
+  <p:clrMapOvr>
+    <a:masterClrMapping/>
+  </p:clrMapOvr>
+</p:sld>
+</file>
+
+<file path=ppt/slides/slide7.xml><?xml version="1.0" encoding="utf-8"?>
+<p:sld xmlns:a="http://schemas.openxmlformats.org/drawingml/2006/main" xmlns:r="http://schemas.openxmlformats.org/officeDocument/2006/relationships" xmlns:p="http://schemas.openxmlformats.org/presentationml/2006/main">
+  <p:cSld>
+    <p:spTree>
+      <p:nvGrpSpPr>
+        <p:cNvPr id="1" name=""/>
+        <p:cNvGrpSpPr/>
+        <p:nvPr/>
+      </p:nvGrpSpPr>
+      <p:grpSpPr>
+        <a:xfrm>
+          <a:off x="0" y="0"/>
+          <a:ext cx="0" cy="0"/>
+          <a:chOff x="0" y="0"/>
+          <a:chExt cx="0" cy="0"/>
+        </a:xfrm>
+      </p:grpSpPr>
+      <p:sp>
+        <p:nvSpPr>
+          <p:cNvPr id="2" name="Title 1">
+            <a:extLst>
+              <a:ext uri="{FF2B5EF4-FFF2-40B4-BE49-F238E27FC236}">
                 <a16:creationId xmlns:a16="http://schemas.microsoft.com/office/drawing/2014/main" id="{A768460B-3518-7E80-8700-19BD1026B8FE}"/>
               </a:ext>
             </a:extLst>
@@ -4270,7 +4710,7 @@
 </p:sld>
 </file>
 
-<file path=ppt/slides/slide5.xml><?xml version="1.0" encoding="utf-8"?>
+<file path=ppt/slides/slide8.xml><?xml version="1.0" encoding="utf-8"?>
 <p:sld xmlns:a="http://schemas.openxmlformats.org/drawingml/2006/main" xmlns:r="http://schemas.openxmlformats.org/officeDocument/2006/relationships" xmlns:p="http://schemas.openxmlformats.org/presentationml/2006/main">
   <p:cSld>
     <p:spTree>
@@ -4420,7 +4860,7 @@
 </p:sld>
 </file>
 
-<file path=ppt/slides/slide6.xml><?xml version="1.0" encoding="utf-8"?>
+<file path=ppt/slides/slide9.xml><?xml version="1.0" encoding="utf-8"?>
 <p:sld xmlns:a="http://schemas.openxmlformats.org/drawingml/2006/main" xmlns:r="http://schemas.openxmlformats.org/officeDocument/2006/relationships" xmlns:p="http://schemas.openxmlformats.org/presentationml/2006/main">
   <p:cSld>
     <p:spTree>
@@ -4521,161 +4961,6 @@
     <p:extLst>
       <p:ext uri="{BB962C8B-B14F-4D97-AF65-F5344CB8AC3E}">
         <p14:creationId xmlns:p14="http://schemas.microsoft.com/office/powerpoint/2010/main" val="4169655036"/>
-      </p:ext>
-    </p:extLst>
-  </p:cSld>
-  <p:clrMapOvr>
-    <a:masterClrMapping/>
-  </p:clrMapOvr>
-</p:sld>
-</file>
-
-<file path=ppt/slides/slide7.xml><?xml version="1.0" encoding="utf-8"?>
-<p:sld xmlns:a="http://schemas.openxmlformats.org/drawingml/2006/main" xmlns:r="http://schemas.openxmlformats.org/officeDocument/2006/relationships" xmlns:p="http://schemas.openxmlformats.org/presentationml/2006/main">
-  <p:cSld>
-    <p:spTree>
-      <p:nvGrpSpPr>
-        <p:cNvPr id="1" name=""/>
-        <p:cNvGrpSpPr/>
-        <p:nvPr/>
-      </p:nvGrpSpPr>
-      <p:grpSpPr>
-        <a:xfrm>
-          <a:off x="0" y="0"/>
-          <a:ext cx="0" cy="0"/>
-          <a:chOff x="0" y="0"/>
-          <a:chExt cx="0" cy="0"/>
-        </a:xfrm>
-      </p:grpSpPr>
-      <p:sp>
-        <p:nvSpPr>
-          <p:cNvPr id="2" name="Title 1">
-            <a:extLst>
-              <a:ext uri="{FF2B5EF4-FFF2-40B4-BE49-F238E27FC236}">
-                <a16:creationId xmlns:a16="http://schemas.microsoft.com/office/drawing/2014/main" id="{F9FD8146-41D9-9CE0-5A77-0D6B7C911C8D}"/>
-              </a:ext>
-            </a:extLst>
-          </p:cNvPr>
-          <p:cNvSpPr>
-            <a:spLocks noGrp="1"/>
-          </p:cNvSpPr>
-          <p:nvPr>
-            <p:ph type="title"/>
-          </p:nvPr>
-        </p:nvSpPr>
-        <p:spPr/>
-        <p:txBody>
-          <a:bodyPr/>
-          <a:lstStyle/>
-          <a:p>
-            <a:r>
-              <a:rPr lang="en-CA" dirty="0"/>
-              <a:t>Thank you for listening!</a:t>
-            </a:r>
-            <a:endParaRPr lang="fr-CA" dirty="0"/>
-          </a:p>
-        </p:txBody>
-      </p:sp>
-      <p:pic>
-        <p:nvPicPr>
-          <p:cNvPr id="1026" name="Picture 2" descr="Digital Moment">
-            <a:extLst>
-              <a:ext uri="{FF2B5EF4-FFF2-40B4-BE49-F238E27FC236}">
-                <a16:creationId xmlns:a16="http://schemas.microsoft.com/office/drawing/2014/main" id="{37ADF6FD-0B02-F44A-70DA-7A8EFA06AE73}"/>
-              </a:ext>
-            </a:extLst>
-          </p:cNvPr>
-          <p:cNvPicPr>
-            <a:picLocks noGrp="1" noChangeAspect="1" noChangeArrowheads="1"/>
-          </p:cNvPicPr>
-          <p:nvPr>
-            <p:ph idx="1"/>
-          </p:nvPr>
-        </p:nvPicPr>
-        <p:blipFill>
-          <a:blip r:embed="rId2">
-            <a:extLst>
-              <a:ext uri="{28A0092B-C50C-407E-A947-70E740481C1C}">
-                <a14:useLocalDpi xmlns:a14="http://schemas.microsoft.com/office/drawing/2010/main" val="0"/>
-              </a:ext>
-            </a:extLst>
-          </a:blip>
-          <a:srcRect/>
-          <a:stretch>
-            <a:fillRect/>
-          </a:stretch>
-        </p:blipFill>
-        <p:spPr bwMode="auto">
-          <a:xfrm>
-            <a:off x="93524" y="2298941"/>
-            <a:ext cx="6465712" cy="3636963"/>
-          </a:xfrm>
-          <a:prstGeom prst="rect">
-            <a:avLst/>
-          </a:prstGeom>
-          <a:noFill/>
-          <a:extLst>
-            <a:ext uri="{909E8E84-426E-40DD-AFC4-6F175D3DCCD1}">
-              <a14:hiddenFill xmlns:a14="http://schemas.microsoft.com/office/drawing/2010/main">
-                <a:solidFill>
-                  <a:srgbClr val="FFFFFF"/>
-                </a:solidFill>
-              </a14:hiddenFill>
-            </a:ext>
-          </a:extLst>
-        </p:spPr>
-      </p:pic>
-      <p:pic>
-        <p:nvPicPr>
-          <p:cNvPr id="1028" name="Picture 4" descr="Morgan Stanley at Work Unveils Second Annual State of the Workplace  Financial Benefits Study | Business Wire">
-            <a:extLst>
-              <a:ext uri="{FF2B5EF4-FFF2-40B4-BE49-F238E27FC236}">
-                <a16:creationId xmlns:a16="http://schemas.microsoft.com/office/drawing/2014/main" id="{F500EDB4-CB66-6F95-1319-5F614FB5EBDB}"/>
-              </a:ext>
-            </a:extLst>
-          </p:cNvPr>
-          <p:cNvPicPr>
-            <a:picLocks noChangeAspect="1" noChangeArrowheads="1"/>
-          </p:cNvPicPr>
-          <p:nvPr/>
-        </p:nvPicPr>
-        <p:blipFill>
-          <a:blip r:embed="rId3">
-            <a:extLst>
-              <a:ext uri="{28A0092B-C50C-407E-A947-70E740481C1C}">
-                <a14:useLocalDpi xmlns:a14="http://schemas.microsoft.com/office/drawing/2010/main" val="0"/>
-              </a:ext>
-            </a:extLst>
-          </a:blip>
-          <a:srcRect/>
-          <a:stretch>
-            <a:fillRect/>
-          </a:stretch>
-        </p:blipFill>
-        <p:spPr bwMode="auto">
-          <a:xfrm>
-            <a:off x="5969725" y="3045252"/>
-            <a:ext cx="4963887" cy="2481944"/>
-          </a:xfrm>
-          <a:prstGeom prst="rect">
-            <a:avLst/>
-          </a:prstGeom>
-          <a:noFill/>
-          <a:extLst>
-            <a:ext uri="{909E8E84-426E-40DD-AFC4-6F175D3DCCD1}">
-              <a14:hiddenFill xmlns:a14="http://schemas.microsoft.com/office/drawing/2010/main">
-                <a:solidFill>
-                  <a:srgbClr val="FFFFFF"/>
-                </a:solidFill>
-              </a14:hiddenFill>
-            </a:ext>
-          </a:extLst>
-        </p:spPr>
-      </p:pic>
-    </p:spTree>
-    <p:extLst>
-      <p:ext uri="{BB962C8B-B14F-4D97-AF65-F5344CB8AC3E}">
-        <p14:creationId xmlns:p14="http://schemas.microsoft.com/office/powerpoint/2010/main" val="1805917077"/>
       </p:ext>
     </p:extLst>
   </p:cSld>

--- a/DigitalMoment.pptx
+++ b/DigitalMoment.pptx
@@ -7,14 +7,15 @@
   <p:sldIdLst>
     <p:sldId id="256" r:id="rId2"/>
     <p:sldId id="258" r:id="rId3"/>
-    <p:sldId id="259" r:id="rId4"/>
-    <p:sldId id="263" r:id="rId5"/>
-    <p:sldId id="264" r:id="rId6"/>
-    <p:sldId id="265" r:id="rId7"/>
-    <p:sldId id="257" r:id="rId8"/>
-    <p:sldId id="261" r:id="rId9"/>
-    <p:sldId id="262" r:id="rId10"/>
-    <p:sldId id="260" r:id="rId11"/>
+    <p:sldId id="266" r:id="rId4"/>
+    <p:sldId id="259" r:id="rId5"/>
+    <p:sldId id="263" r:id="rId6"/>
+    <p:sldId id="264" r:id="rId7"/>
+    <p:sldId id="265" r:id="rId8"/>
+    <p:sldId id="257" r:id="rId9"/>
+    <p:sldId id="261" r:id="rId10"/>
+    <p:sldId id="262" r:id="rId11"/>
+    <p:sldId id="260" r:id="rId12"/>
   </p:sldIdLst>
   <p:sldSz cx="12192000" cy="6858000"/>
   <p:notesSz cx="6858000" cy="9144000"/>
@@ -3876,6 +3877,116 @@
           <p:cNvPr id="2" name="Title 1">
             <a:extLst>
               <a:ext uri="{FF2B5EF4-FFF2-40B4-BE49-F238E27FC236}">
+                <a16:creationId xmlns:a16="http://schemas.microsoft.com/office/drawing/2014/main" id="{92819836-FC98-EF82-95C2-CD5F496B3984}"/>
+              </a:ext>
+            </a:extLst>
+          </p:cNvPr>
+          <p:cNvSpPr>
+            <a:spLocks noGrp="1"/>
+          </p:cNvSpPr>
+          <p:nvPr>
+            <p:ph type="title"/>
+          </p:nvPr>
+        </p:nvSpPr>
+        <p:spPr/>
+        <p:txBody>
+          <a:bodyPr/>
+          <a:lstStyle/>
+          <a:p>
+            <a:r>
+              <a:rPr lang="en-CA" dirty="0"/>
+              <a:t>future improvements	</a:t>
+            </a:r>
+            <a:endParaRPr lang="fr-CA" dirty="0"/>
+          </a:p>
+        </p:txBody>
+      </p:sp>
+      <p:sp>
+        <p:nvSpPr>
+          <p:cNvPr id="3" name="Content Placeholder 2">
+            <a:extLst>
+              <a:ext uri="{FF2B5EF4-FFF2-40B4-BE49-F238E27FC236}">
+                <a16:creationId xmlns:a16="http://schemas.microsoft.com/office/drawing/2014/main" id="{53236B64-FA1E-FFA0-579D-5C5F16974547}"/>
+              </a:ext>
+            </a:extLst>
+          </p:cNvPr>
+          <p:cNvSpPr>
+            <a:spLocks noGrp="1"/>
+          </p:cNvSpPr>
+          <p:nvPr>
+            <p:ph idx="1"/>
+          </p:nvPr>
+        </p:nvSpPr>
+        <p:spPr/>
+        <p:txBody>
+          <a:bodyPr/>
+          <a:lstStyle/>
+          <a:p>
+            <a:r>
+              <a:rPr lang="en-CA" sz="2800" dirty="0"/>
+              <a:t>Create a direct messaging feature between users</a:t>
+            </a:r>
+          </a:p>
+          <a:p>
+            <a:r>
+              <a:rPr lang="en-CA" sz="2800" dirty="0"/>
+              <a:t>Being able to filter the map through the labels, city and number </a:t>
+            </a:r>
+            <a:r>
+              <a:rPr lang="en-CA" sz="2800"/>
+              <a:t>of likes.</a:t>
+            </a:r>
+            <a:endParaRPr lang="en-CA" sz="2800" dirty="0"/>
+          </a:p>
+          <a:p>
+            <a:endParaRPr lang="en-CA" sz="2800" dirty="0"/>
+          </a:p>
+          <a:p>
+            <a:endParaRPr lang="en-CA" sz="2800" dirty="0"/>
+          </a:p>
+          <a:p>
+            <a:endParaRPr lang="en-CA" dirty="0"/>
+          </a:p>
+          <a:p>
+            <a:endParaRPr lang="fr-CA" dirty="0"/>
+          </a:p>
+        </p:txBody>
+      </p:sp>
+    </p:spTree>
+    <p:extLst>
+      <p:ext uri="{BB962C8B-B14F-4D97-AF65-F5344CB8AC3E}">
+        <p14:creationId xmlns:p14="http://schemas.microsoft.com/office/powerpoint/2010/main" val="4169655036"/>
+      </p:ext>
+    </p:extLst>
+  </p:cSld>
+  <p:clrMapOvr>
+    <a:masterClrMapping/>
+  </p:clrMapOvr>
+</p:sld>
+</file>
+
+<file path=ppt/slides/slide11.xml><?xml version="1.0" encoding="utf-8"?>
+<p:sld xmlns:a="http://schemas.openxmlformats.org/drawingml/2006/main" xmlns:r="http://schemas.openxmlformats.org/officeDocument/2006/relationships" xmlns:p="http://schemas.openxmlformats.org/presentationml/2006/main">
+  <p:cSld>
+    <p:spTree>
+      <p:nvGrpSpPr>
+        <p:cNvPr id="1" name=""/>
+        <p:cNvGrpSpPr/>
+        <p:nvPr/>
+      </p:nvGrpSpPr>
+      <p:grpSpPr>
+        <a:xfrm>
+          <a:off x="0" y="0"/>
+          <a:ext cx="0" cy="0"/>
+          <a:chOff x="0" y="0"/>
+          <a:chExt cx="0" cy="0"/>
+        </a:xfrm>
+      </p:grpSpPr>
+      <p:sp>
+        <p:nvSpPr>
+          <p:cNvPr id="2" name="Title 1">
+            <a:extLst>
+              <a:ext uri="{FF2B5EF4-FFF2-40B4-BE49-F238E27FC236}">
                 <a16:creationId xmlns:a16="http://schemas.microsoft.com/office/drawing/2014/main" id="{F9FD8146-41D9-9CE0-5A77-0D6B7C911C8D}"/>
               </a:ext>
             </a:extLst>
@@ -4155,6 +4266,120 @@
           <p:cNvPr id="2" name="Title 1">
             <a:extLst>
               <a:ext uri="{FF2B5EF4-FFF2-40B4-BE49-F238E27FC236}">
+                <a16:creationId xmlns:a16="http://schemas.microsoft.com/office/drawing/2014/main" id="{9E9BA156-65F4-9108-0261-B7C6F9D09789}"/>
+              </a:ext>
+            </a:extLst>
+          </p:cNvPr>
+          <p:cNvSpPr>
+            <a:spLocks noGrp="1"/>
+          </p:cNvSpPr>
+          <p:nvPr>
+            <p:ph type="title"/>
+          </p:nvPr>
+        </p:nvSpPr>
+        <p:spPr/>
+        <p:txBody>
+          <a:bodyPr/>
+          <a:lstStyle/>
+          <a:p>
+            <a:r>
+              <a:rPr lang="en-CA" dirty="0"/>
+              <a:t>Features</a:t>
+            </a:r>
+            <a:endParaRPr lang="fr-CA" dirty="0"/>
+          </a:p>
+        </p:txBody>
+      </p:sp>
+      <p:sp>
+        <p:nvSpPr>
+          <p:cNvPr id="3" name="Content Placeholder 2">
+            <a:extLst>
+              <a:ext uri="{FF2B5EF4-FFF2-40B4-BE49-F238E27FC236}">
+                <a16:creationId xmlns:a16="http://schemas.microsoft.com/office/drawing/2014/main" id="{E0A383F2-A4C3-872A-1299-528279CCEEB1}"/>
+              </a:ext>
+            </a:extLst>
+          </p:cNvPr>
+          <p:cNvSpPr>
+            <a:spLocks noGrp="1"/>
+          </p:cNvSpPr>
+          <p:nvPr>
+            <p:ph idx="1"/>
+          </p:nvPr>
+        </p:nvSpPr>
+        <p:spPr/>
+        <p:txBody>
+          <a:bodyPr/>
+          <a:lstStyle/>
+          <a:p>
+            <a:r>
+              <a:rPr lang="en-CA" dirty="0"/>
+              <a:t>Adding topics, ideas and issues to the current world map</a:t>
+            </a:r>
+          </a:p>
+          <a:p>
+            <a:r>
+              <a:rPr lang="en-CA" dirty="0"/>
+              <a:t>Adding a label to your topic</a:t>
+            </a:r>
+          </a:p>
+          <a:p>
+            <a:r>
+              <a:rPr lang="en-CA" dirty="0"/>
+              <a:t>Clicking on the pins to see what topics are discussed in the desired areas of the world</a:t>
+            </a:r>
+          </a:p>
+          <a:p>
+            <a:r>
+              <a:rPr lang="en-CA" dirty="0"/>
+              <a:t>As an admin, being able to filter through comments and topics.</a:t>
+            </a:r>
+          </a:p>
+          <a:p>
+            <a:r>
+              <a:rPr lang="en-CA" dirty="0"/>
+              <a:t>As an admin, being able to delete comment and topics </a:t>
+            </a:r>
+          </a:p>
+          <a:p>
+            <a:endParaRPr lang="fr-CA" dirty="0"/>
+          </a:p>
+        </p:txBody>
+      </p:sp>
+    </p:spTree>
+    <p:extLst>
+      <p:ext uri="{BB962C8B-B14F-4D97-AF65-F5344CB8AC3E}">
+        <p14:creationId xmlns:p14="http://schemas.microsoft.com/office/powerpoint/2010/main" val="4265104451"/>
+      </p:ext>
+    </p:extLst>
+  </p:cSld>
+  <p:clrMapOvr>
+    <a:masterClrMapping/>
+  </p:clrMapOvr>
+</p:sld>
+</file>
+
+<file path=ppt/slides/slide4.xml><?xml version="1.0" encoding="utf-8"?>
+<p:sld xmlns:a="http://schemas.openxmlformats.org/drawingml/2006/main" xmlns:r="http://schemas.openxmlformats.org/officeDocument/2006/relationships" xmlns:p="http://schemas.openxmlformats.org/presentationml/2006/main">
+  <p:cSld>
+    <p:spTree>
+      <p:nvGrpSpPr>
+        <p:cNvPr id="1" name=""/>
+        <p:cNvGrpSpPr/>
+        <p:nvPr/>
+      </p:nvGrpSpPr>
+      <p:grpSpPr>
+        <a:xfrm>
+          <a:off x="0" y="0"/>
+          <a:ext cx="0" cy="0"/>
+          <a:chOff x="0" y="0"/>
+          <a:chExt cx="0" cy="0"/>
+        </a:xfrm>
+      </p:grpSpPr>
+      <p:sp>
+        <p:nvSpPr>
+          <p:cNvPr id="2" name="Title 1">
+            <a:extLst>
+              <a:ext uri="{FF2B5EF4-FFF2-40B4-BE49-F238E27FC236}">
                 <a16:creationId xmlns:a16="http://schemas.microsoft.com/office/drawing/2014/main" id="{91808822-1A24-AD2A-DD73-32ECDBC9917B}"/>
               </a:ext>
             </a:extLst>
@@ -4262,100 +4487,6 @@
 </p:sld>
 </file>
 
-<file path=ppt/slides/slide4.xml><?xml version="1.0" encoding="utf-8"?>
-<p:sld xmlns:a="http://schemas.openxmlformats.org/drawingml/2006/main" xmlns:r="http://schemas.openxmlformats.org/officeDocument/2006/relationships" xmlns:p="http://schemas.openxmlformats.org/presentationml/2006/main">
-  <p:cSld>
-    <p:spTree>
-      <p:nvGrpSpPr>
-        <p:cNvPr id="1" name=""/>
-        <p:cNvGrpSpPr/>
-        <p:nvPr/>
-      </p:nvGrpSpPr>
-      <p:grpSpPr>
-        <a:xfrm>
-          <a:off x="0" y="0"/>
-          <a:ext cx="0" cy="0"/>
-          <a:chOff x="0" y="0"/>
-          <a:chExt cx="0" cy="0"/>
-        </a:xfrm>
-      </p:grpSpPr>
-      <p:sp>
-        <p:nvSpPr>
-          <p:cNvPr id="2" name="Title 1">
-            <a:extLst>
-              <a:ext uri="{FF2B5EF4-FFF2-40B4-BE49-F238E27FC236}">
-                <a16:creationId xmlns:a16="http://schemas.microsoft.com/office/drawing/2014/main" id="{126110C7-41FF-6D8E-AACF-9CA9A4334C98}"/>
-              </a:ext>
-            </a:extLst>
-          </p:cNvPr>
-          <p:cNvSpPr>
-            <a:spLocks noGrp="1"/>
-          </p:cNvSpPr>
-          <p:nvPr>
-            <p:ph type="title"/>
-          </p:nvPr>
-        </p:nvSpPr>
-        <p:spPr/>
-        <p:txBody>
-          <a:bodyPr/>
-          <a:lstStyle/>
-          <a:p>
-            <a:r>
-              <a:rPr lang="en-CA" dirty="0"/>
-              <a:t>Functionality</a:t>
-            </a:r>
-            <a:endParaRPr lang="fr-CA" dirty="0"/>
-          </a:p>
-        </p:txBody>
-      </p:sp>
-      <p:pic>
-        <p:nvPicPr>
-          <p:cNvPr id="9" name="Content Placeholder 8" descr="Map&#10;&#10;Description automatically generated">
-            <a:extLst>
-              <a:ext uri="{FF2B5EF4-FFF2-40B4-BE49-F238E27FC236}">
-                <a16:creationId xmlns:a16="http://schemas.microsoft.com/office/drawing/2014/main" id="{E426519A-D36A-1BBA-4216-6F20CDD0B07A}"/>
-              </a:ext>
-            </a:extLst>
-          </p:cNvPr>
-          <p:cNvPicPr>
-            <a:picLocks noGrp="1" noChangeAspect="1"/>
-          </p:cNvPicPr>
-          <p:nvPr>
-            <p:ph idx="1"/>
-          </p:nvPr>
-        </p:nvPicPr>
-        <p:blipFill>
-          <a:blip r:embed="rId2">
-            <a:extLst>
-              <a:ext uri="{28A0092B-C50C-407E-A947-70E740481C1C}">
-                <a14:useLocalDpi xmlns:a14="http://schemas.microsoft.com/office/drawing/2010/main" val="0"/>
-              </a:ext>
-            </a:extLst>
-          </a:blip>
-          <a:stretch>
-            <a:fillRect/>
-          </a:stretch>
-        </p:blipFill>
-        <p:spPr>
-          <a:xfrm>
-            <a:off x="2609448" y="1575085"/>
-            <a:ext cx="6973104" cy="4328293"/>
-          </a:xfrm>
-        </p:spPr>
-      </p:pic>
-    </p:spTree>
-    <p:extLst>
-      <p:ext uri="{BB962C8B-B14F-4D97-AF65-F5344CB8AC3E}">
-        <p14:creationId xmlns:p14="http://schemas.microsoft.com/office/powerpoint/2010/main" val="540244828"/>
-      </p:ext>
-    </p:extLst>
-  </p:cSld>
-  <p:clrMapOvr>
-    <a:masterClrMapping/>
-  </p:clrMapOvr>
-</p:sld>
-</file>
-
 <file path=ppt/slides/slide5.xml><?xml version="1.0" encoding="utf-8"?>
 <p:sld xmlns:a="http://schemas.openxmlformats.org/drawingml/2006/main" xmlns:r="http://schemas.openxmlformats.org/officeDocument/2006/relationships" xmlns:p="http://schemas.openxmlformats.org/presentationml/2006/main">
   <p:cSld>
@@ -4378,7 +4509,7 @@
           <p:cNvPr id="2" name="Title 1">
             <a:extLst>
               <a:ext uri="{FF2B5EF4-FFF2-40B4-BE49-F238E27FC236}">
-                <a16:creationId xmlns:a16="http://schemas.microsoft.com/office/drawing/2014/main" id="{75961C4A-0EEC-CE5E-2EE9-C1BBD63EEE04}"/>
+                <a16:creationId xmlns:a16="http://schemas.microsoft.com/office/drawing/2014/main" id="{126110C7-41FF-6D8E-AACF-9CA9A4334C98}"/>
               </a:ext>
             </a:extLst>
           </p:cNvPr>
@@ -4404,10 +4535,10 @@
       </p:sp>
       <p:pic>
         <p:nvPicPr>
-          <p:cNvPr id="5" name="Content Placeholder 4" descr="Graphical user interface, text, application, chat or text message&#10;&#10;Description automatically generated">
-            <a:extLst>
-              <a:ext uri="{FF2B5EF4-FFF2-40B4-BE49-F238E27FC236}">
-                <a16:creationId xmlns:a16="http://schemas.microsoft.com/office/drawing/2014/main" id="{2375B546-3FB3-819E-69E2-9AF8C8E4D3BF}"/>
+          <p:cNvPr id="9" name="Content Placeholder 8" descr="Map&#10;&#10;Description automatically generated">
+            <a:extLst>
+              <a:ext uri="{FF2B5EF4-FFF2-40B4-BE49-F238E27FC236}">
+                <a16:creationId xmlns:a16="http://schemas.microsoft.com/office/drawing/2014/main" id="{E426519A-D36A-1BBA-4216-6F20CDD0B07A}"/>
               </a:ext>
             </a:extLst>
           </p:cNvPr>
@@ -4432,15 +4563,15 @@
         </p:blipFill>
         <p:spPr>
           <a:xfrm>
-            <a:off x="2210525" y="1574798"/>
-            <a:ext cx="7214723" cy="4507992"/>
+            <a:off x="2609448" y="1575085"/>
+            <a:ext cx="6973104" cy="4328293"/>
           </a:xfrm>
         </p:spPr>
       </p:pic>
     </p:spTree>
     <p:extLst>
       <p:ext uri="{BB962C8B-B14F-4D97-AF65-F5344CB8AC3E}">
-        <p14:creationId xmlns:p14="http://schemas.microsoft.com/office/powerpoint/2010/main" val="3582457778"/>
+        <p14:creationId xmlns:p14="http://schemas.microsoft.com/office/powerpoint/2010/main" val="540244828"/>
       </p:ext>
     </p:extLst>
   </p:cSld>
@@ -4472,7 +4603,7 @@
           <p:cNvPr id="2" name="Title 1">
             <a:extLst>
               <a:ext uri="{FF2B5EF4-FFF2-40B4-BE49-F238E27FC236}">
-                <a16:creationId xmlns:a16="http://schemas.microsoft.com/office/drawing/2014/main" id="{D664BAA4-A616-8BF8-C06F-6BD01980568C}"/>
+                <a16:creationId xmlns:a16="http://schemas.microsoft.com/office/drawing/2014/main" id="{75961C4A-0EEC-CE5E-2EE9-C1BBD63EEE04}"/>
               </a:ext>
             </a:extLst>
           </p:cNvPr>
@@ -4498,10 +4629,10 @@
       </p:sp>
       <p:pic>
         <p:nvPicPr>
-          <p:cNvPr id="5" name="Content Placeholder 4" descr="Map&#10;&#10;Description automatically generated">
-            <a:extLst>
-              <a:ext uri="{FF2B5EF4-FFF2-40B4-BE49-F238E27FC236}">
-                <a16:creationId xmlns:a16="http://schemas.microsoft.com/office/drawing/2014/main" id="{3CC82490-3D77-A1BE-EE3D-CBE9F0242D69}"/>
+          <p:cNvPr id="5" name="Content Placeholder 4" descr="Graphical user interface, text, application, chat or text message&#10;&#10;Description automatically generated">
+            <a:extLst>
+              <a:ext uri="{FF2B5EF4-FFF2-40B4-BE49-F238E27FC236}">
+                <a16:creationId xmlns:a16="http://schemas.microsoft.com/office/drawing/2014/main" id="{2375B546-3FB3-819E-69E2-9AF8C8E4D3BF}"/>
               </a:ext>
             </a:extLst>
           </p:cNvPr>
@@ -4526,15 +4657,15 @@
         </p:blipFill>
         <p:spPr>
           <a:xfrm>
-            <a:off x="2118030" y="1578926"/>
-            <a:ext cx="7955939" cy="4508366"/>
+            <a:off x="2210525" y="1574798"/>
+            <a:ext cx="7214723" cy="4507992"/>
           </a:xfrm>
         </p:spPr>
       </p:pic>
     </p:spTree>
     <p:extLst>
       <p:ext uri="{BB962C8B-B14F-4D97-AF65-F5344CB8AC3E}">
-        <p14:creationId xmlns:p14="http://schemas.microsoft.com/office/powerpoint/2010/main" val="2823466893"/>
+        <p14:creationId xmlns:p14="http://schemas.microsoft.com/office/powerpoint/2010/main" val="3582457778"/>
       </p:ext>
     </p:extLst>
   </p:cSld>
@@ -4566,7 +4697,7 @@
           <p:cNvPr id="2" name="Title 1">
             <a:extLst>
               <a:ext uri="{FF2B5EF4-FFF2-40B4-BE49-F238E27FC236}">
-                <a16:creationId xmlns:a16="http://schemas.microsoft.com/office/drawing/2014/main" id="{A768460B-3518-7E80-8700-19BD1026B8FE}"/>
+                <a16:creationId xmlns:a16="http://schemas.microsoft.com/office/drawing/2014/main" id="{D664BAA4-A616-8BF8-C06F-6BD01980568C}"/>
               </a:ext>
             </a:extLst>
           </p:cNvPr>
@@ -4582,125 +4713,53 @@
           <a:bodyPr/>
           <a:lstStyle/>
           <a:p>
-            <a:pPr algn="ctr"/>
             <a:r>
               <a:rPr lang="en-CA" dirty="0"/>
-              <a:t>The team</a:t>
+              <a:t>Functionality</a:t>
             </a:r>
             <a:endParaRPr lang="fr-CA" dirty="0"/>
           </a:p>
         </p:txBody>
       </p:sp>
-      <p:sp>
-        <p:nvSpPr>
-          <p:cNvPr id="3" name="Content Placeholder 2">
-            <a:extLst>
-              <a:ext uri="{FF2B5EF4-FFF2-40B4-BE49-F238E27FC236}">
-                <a16:creationId xmlns:a16="http://schemas.microsoft.com/office/drawing/2014/main" id="{56333209-771C-69B2-A851-0C4BD805AEE2}"/>
-              </a:ext>
-            </a:extLst>
-          </p:cNvPr>
-          <p:cNvSpPr>
-            <a:spLocks noGrp="1"/>
-          </p:cNvSpPr>
+      <p:pic>
+        <p:nvPicPr>
+          <p:cNvPr id="5" name="Content Placeholder 4" descr="Map&#10;&#10;Description automatically generated">
+            <a:extLst>
+              <a:ext uri="{FF2B5EF4-FFF2-40B4-BE49-F238E27FC236}">
+                <a16:creationId xmlns:a16="http://schemas.microsoft.com/office/drawing/2014/main" id="{3CC82490-3D77-A1BE-EE3D-CBE9F0242D69}"/>
+              </a:ext>
+            </a:extLst>
+          </p:cNvPr>
+          <p:cNvPicPr>
+            <a:picLocks noGrp="1" noChangeAspect="1"/>
+          </p:cNvPicPr>
           <p:nvPr>
             <p:ph idx="1"/>
           </p:nvPr>
-        </p:nvSpPr>
-        <p:spPr/>
-        <p:txBody>
-          <a:bodyPr/>
-          <a:lstStyle/>
-          <a:p>
-            <a:r>
-              <a:rPr lang="en-CA" dirty="0"/>
-              <a:t>Jacob </a:t>
-            </a:r>
-            <a:r>
-              <a:rPr lang="en-CA" dirty="0" err="1"/>
-              <a:t>Massi</a:t>
-            </a:r>
-            <a:r>
-              <a:rPr lang="fr-CA" dirty="0"/>
-              <a:t>h (Team Leader)</a:t>
-            </a:r>
-          </a:p>
-          <a:p>
-            <a:r>
-              <a:rPr lang="fr-CA" dirty="0" err="1"/>
-              <a:t>Emir</a:t>
-            </a:r>
-            <a:r>
-              <a:rPr lang="fr-CA" dirty="0"/>
-              <a:t> </a:t>
-            </a:r>
-            <a:r>
-              <a:rPr lang="fr-CA" dirty="0" err="1"/>
-              <a:t>Tuncbilek</a:t>
-            </a:r>
-            <a:r>
-              <a:rPr lang="fr-CA" dirty="0"/>
-              <a:t> (Python </a:t>
-            </a:r>
-            <a:r>
-              <a:rPr lang="fr-CA" dirty="0" err="1"/>
-              <a:t>developer</a:t>
-            </a:r>
-            <a:r>
-              <a:rPr lang="fr-CA" dirty="0"/>
-              <a:t>)</a:t>
-            </a:r>
-          </a:p>
-          <a:p>
-            <a:r>
-              <a:rPr lang="fr-CA" dirty="0"/>
-              <a:t>Jason </a:t>
-            </a:r>
-            <a:r>
-              <a:rPr lang="fr-CA" dirty="0" err="1"/>
-              <a:t>Owaida</a:t>
-            </a:r>
-            <a:r>
-              <a:rPr lang="fr-CA" dirty="0"/>
-              <a:t> (Python </a:t>
-            </a:r>
-            <a:r>
-              <a:rPr lang="fr-CA" dirty="0" err="1"/>
-              <a:t>developer</a:t>
-            </a:r>
-            <a:r>
-              <a:rPr lang="fr-CA" dirty="0"/>
-              <a:t>)</a:t>
-            </a:r>
-          </a:p>
-          <a:p>
-            <a:r>
-              <a:rPr lang="fr-CA" dirty="0"/>
-              <a:t>Yusuf </a:t>
-            </a:r>
-            <a:r>
-              <a:rPr lang="fr-CA" dirty="0" err="1"/>
-              <a:t>Chahal</a:t>
-            </a:r>
-            <a:r>
-              <a:rPr lang="fr-CA" dirty="0"/>
-              <a:t> (Java </a:t>
-            </a:r>
-            <a:r>
-              <a:rPr lang="fr-CA" dirty="0" err="1"/>
-              <a:t>developer</a:t>
-            </a:r>
-            <a:r>
-              <a:rPr lang="fr-CA" dirty="0"/>
-              <a:t>)</a:t>
-            </a:r>
-          </a:p>
-        </p:txBody>
-      </p:sp>
+        </p:nvPicPr>
+        <p:blipFill>
+          <a:blip r:embed="rId2">
+            <a:extLst>
+              <a:ext uri="{28A0092B-C50C-407E-A947-70E740481C1C}">
+                <a14:useLocalDpi xmlns:a14="http://schemas.microsoft.com/office/drawing/2010/main" val="0"/>
+              </a:ext>
+            </a:extLst>
+          </a:blip>
+          <a:stretch>
+            <a:fillRect/>
+          </a:stretch>
+        </p:blipFill>
+        <p:spPr>
+          <a:xfrm>
+            <a:off x="2118030" y="1578926"/>
+            <a:ext cx="7955939" cy="4508366"/>
+          </a:xfrm>
+        </p:spPr>
+      </p:pic>
     </p:spTree>
     <p:extLst>
       <p:ext uri="{BB962C8B-B14F-4D97-AF65-F5344CB8AC3E}">
-        <p14:creationId xmlns:p14="http://schemas.microsoft.com/office/powerpoint/2010/main" val="848036351"/>
+        <p14:creationId xmlns:p14="http://schemas.microsoft.com/office/powerpoint/2010/main" val="2823466893"/>
       </p:ext>
     </p:extLst>
   </p:cSld>
@@ -4732,7 +4791,7 @@
           <p:cNvPr id="2" name="Title 1">
             <a:extLst>
               <a:ext uri="{FF2B5EF4-FFF2-40B4-BE49-F238E27FC236}">
-                <a16:creationId xmlns:a16="http://schemas.microsoft.com/office/drawing/2014/main" id="{B794D89F-E61D-0500-6484-B315AB69C5E0}"/>
+                <a16:creationId xmlns:a16="http://schemas.microsoft.com/office/drawing/2014/main" id="{A768460B-3518-7E80-8700-19BD1026B8FE}"/>
               </a:ext>
             </a:extLst>
           </p:cNvPr>
@@ -4748,9 +4807,10 @@
           <a:bodyPr/>
           <a:lstStyle/>
           <a:p>
+            <a:pPr algn="ctr"/>
             <a:r>
               <a:rPr lang="en-CA" dirty="0"/>
-              <a:t>Technologies used</a:t>
+              <a:t>The team</a:t>
             </a:r>
             <a:endParaRPr lang="fr-CA" dirty="0"/>
           </a:p>
@@ -4761,7 +4821,7 @@
           <p:cNvPr id="3" name="Content Placeholder 2">
             <a:extLst>
               <a:ext uri="{FF2B5EF4-FFF2-40B4-BE49-F238E27FC236}">
-                <a16:creationId xmlns:a16="http://schemas.microsoft.com/office/drawing/2014/main" id="{689D29D3-CD99-7CDA-B59F-24AC3C7039E0}"/>
+                <a16:creationId xmlns:a16="http://schemas.microsoft.com/office/drawing/2014/main" id="{56333209-771C-69B2-A851-0C4BD805AEE2}"/>
               </a:ext>
             </a:extLst>
           </p:cNvPr>
@@ -4779,78 +4839,93 @@
           <a:p>
             <a:r>
               <a:rPr lang="en-CA" dirty="0"/>
-              <a:t>Python</a:t>
-            </a:r>
-          </a:p>
-          <a:p>
-            <a:r>
-              <a:rPr lang="en-CA" dirty="0"/>
-              <a:t>Django</a:t>
-            </a:r>
-          </a:p>
-          <a:p>
-            <a:r>
-              <a:rPr lang="en-CA" dirty="0"/>
-              <a:t>HTML</a:t>
-            </a:r>
-          </a:p>
-          <a:p>
-            <a:r>
-              <a:rPr lang="en-CA" dirty="0"/>
-              <a:t>Maps API</a:t>
-            </a:r>
-          </a:p>
-          <a:p>
-            <a:r>
-              <a:rPr lang="en-CA" dirty="0"/>
-              <a:t>GitHub</a:t>
-            </a:r>
-          </a:p>
-          <a:p>
-            <a:endParaRPr lang="fr-CA" dirty="0"/>
-          </a:p>
-        </p:txBody>
-      </p:sp>
-      <p:pic>
-        <p:nvPicPr>
-          <p:cNvPr id="5" name="Picture 4" descr="Graphical user interface, application, website&#10;&#10;Description automatically generated">
-            <a:extLst>
-              <a:ext uri="{FF2B5EF4-FFF2-40B4-BE49-F238E27FC236}">
-                <a16:creationId xmlns:a16="http://schemas.microsoft.com/office/drawing/2014/main" id="{12C4F112-BE34-C724-EE9A-17061CB64DA8}"/>
-              </a:ext>
-            </a:extLst>
-          </p:cNvPr>
-          <p:cNvPicPr>
-            <a:picLocks noChangeAspect="1"/>
-          </p:cNvPicPr>
-          <p:nvPr/>
-        </p:nvPicPr>
-        <p:blipFill>
-          <a:blip r:embed="rId2">
-            <a:extLst>
-              <a:ext uri="{28A0092B-C50C-407E-A947-70E740481C1C}">
-                <a14:useLocalDpi xmlns:a14="http://schemas.microsoft.com/office/drawing/2010/main" val="0"/>
-              </a:ext>
-            </a:extLst>
-          </a:blip>
-          <a:stretch>
-            <a:fillRect/>
-          </a:stretch>
-        </p:blipFill>
-        <p:spPr>
-          <a:xfrm>
-            <a:off x="5490210" y="2261531"/>
-            <a:ext cx="5009374" cy="2805249"/>
-          </a:xfrm>
-          <a:prstGeom prst="rect">
-            <a:avLst/>
-          </a:prstGeom>
-        </p:spPr>
-      </p:pic>
+              <a:t>Jacob </a:t>
+            </a:r>
+            <a:r>
+              <a:rPr lang="en-CA" dirty="0" err="1"/>
+              <a:t>Massi</a:t>
+            </a:r>
+            <a:r>
+              <a:rPr lang="fr-CA" dirty="0"/>
+              <a:t>h (Team Leader)</a:t>
+            </a:r>
+          </a:p>
+          <a:p>
+            <a:r>
+              <a:rPr lang="fr-CA" dirty="0" err="1"/>
+              <a:t>Emir</a:t>
+            </a:r>
+            <a:r>
+              <a:rPr lang="fr-CA" dirty="0"/>
+              <a:t> </a:t>
+            </a:r>
+            <a:r>
+              <a:rPr lang="fr-CA" dirty="0" err="1"/>
+              <a:t>Tuncbilek</a:t>
+            </a:r>
+            <a:r>
+              <a:rPr lang="fr-CA" dirty="0"/>
+              <a:t> (Python </a:t>
+            </a:r>
+            <a:r>
+              <a:rPr lang="fr-CA" dirty="0" err="1"/>
+              <a:t>developer</a:t>
+            </a:r>
+            <a:r>
+              <a:rPr lang="fr-CA" dirty="0"/>
+              <a:t>)</a:t>
+            </a:r>
+          </a:p>
+          <a:p>
+            <a:r>
+              <a:rPr lang="fr-CA" dirty="0"/>
+              <a:t>Jason </a:t>
+            </a:r>
+            <a:r>
+              <a:rPr lang="fr-CA" dirty="0" err="1"/>
+              <a:t>Owaida</a:t>
+            </a:r>
+            <a:r>
+              <a:rPr lang="fr-CA" dirty="0"/>
+              <a:t> (Python </a:t>
+            </a:r>
+            <a:r>
+              <a:rPr lang="fr-CA" dirty="0" err="1"/>
+              <a:t>developer</a:t>
+            </a:r>
+            <a:r>
+              <a:rPr lang="fr-CA" dirty="0"/>
+              <a:t>)</a:t>
+            </a:r>
+          </a:p>
+          <a:p>
+            <a:r>
+              <a:rPr lang="fr-CA" dirty="0"/>
+              <a:t>Yusuf </a:t>
+            </a:r>
+            <a:r>
+              <a:rPr lang="fr-CA" dirty="0" err="1"/>
+              <a:t>Chahal</a:t>
+            </a:r>
+            <a:r>
+              <a:rPr lang="fr-CA" dirty="0"/>
+              <a:t> (Java </a:t>
+            </a:r>
+            <a:r>
+              <a:rPr lang="fr-CA" dirty="0" err="1"/>
+              <a:t>developer</a:t>
+            </a:r>
+            <a:r>
+              <a:rPr lang="fr-CA" dirty="0"/>
+              <a:t>)</a:t>
+            </a:r>
+          </a:p>
+        </p:txBody>
+      </p:sp>
     </p:spTree>
     <p:extLst>
       <p:ext uri="{BB962C8B-B14F-4D97-AF65-F5344CB8AC3E}">
-        <p14:creationId xmlns:p14="http://schemas.microsoft.com/office/powerpoint/2010/main" val="2268044567"/>
+        <p14:creationId xmlns:p14="http://schemas.microsoft.com/office/powerpoint/2010/main" val="848036351"/>
       </p:ext>
     </p:extLst>
   </p:cSld>
@@ -4882,7 +4957,7 @@
           <p:cNvPr id="2" name="Title 1">
             <a:extLst>
               <a:ext uri="{FF2B5EF4-FFF2-40B4-BE49-F238E27FC236}">
-                <a16:creationId xmlns:a16="http://schemas.microsoft.com/office/drawing/2014/main" id="{92819836-FC98-EF82-95C2-CD5F496B3984}"/>
+                <a16:creationId xmlns:a16="http://schemas.microsoft.com/office/drawing/2014/main" id="{B794D89F-E61D-0500-6484-B315AB69C5E0}"/>
               </a:ext>
             </a:extLst>
           </p:cNvPr>
@@ -4900,7 +4975,7 @@
           <a:p>
             <a:r>
               <a:rPr lang="en-CA" dirty="0"/>
-              <a:t>future improvements	</a:t>
+              <a:t>Technologies used</a:t>
             </a:r>
             <a:endParaRPr lang="fr-CA" dirty="0"/>
           </a:p>
@@ -4911,7 +4986,7 @@
           <p:cNvPr id="3" name="Content Placeholder 2">
             <a:extLst>
               <a:ext uri="{FF2B5EF4-FFF2-40B4-BE49-F238E27FC236}">
-                <a16:creationId xmlns:a16="http://schemas.microsoft.com/office/drawing/2014/main" id="{53236B64-FA1E-FFA0-579D-5C5F16974547}"/>
+                <a16:creationId xmlns:a16="http://schemas.microsoft.com/office/drawing/2014/main" id="{689D29D3-CD99-7CDA-B59F-24AC3C7039E0}"/>
               </a:ext>
             </a:extLst>
           </p:cNvPr>
@@ -4928,39 +5003,85 @@
           <a:lstStyle/>
           <a:p>
             <a:r>
-              <a:rPr lang="en-CA" sz="2800" dirty="0"/>
-              <a:t>Create a direct messaging feature between users</a:t>
-            </a:r>
-          </a:p>
-          <a:p>
-            <a:r>
-              <a:rPr lang="en-CA" sz="2800" dirty="0"/>
-              <a:t>Being able to filter the map through the labels, city and number </a:t>
-            </a:r>
-            <a:r>
-              <a:rPr lang="en-CA" sz="2800"/>
-              <a:t>of likes.</a:t>
-            </a:r>
-            <a:endParaRPr lang="en-CA" sz="2800" dirty="0"/>
-          </a:p>
-          <a:p>
-            <a:endParaRPr lang="en-CA" sz="2800" dirty="0"/>
-          </a:p>
-          <a:p>
-            <a:endParaRPr lang="en-CA" sz="2800" dirty="0"/>
-          </a:p>
-          <a:p>
-            <a:endParaRPr lang="en-CA" dirty="0"/>
+              <a:rPr lang="en-CA" dirty="0"/>
+              <a:t>Python</a:t>
+            </a:r>
+          </a:p>
+          <a:p>
+            <a:r>
+              <a:rPr lang="en-CA" dirty="0"/>
+              <a:t>Django</a:t>
+            </a:r>
+          </a:p>
+          <a:p>
+            <a:r>
+              <a:rPr lang="en-CA"/>
+              <a:t>MySQL</a:t>
+            </a:r>
+          </a:p>
+          <a:p>
+            <a:r>
+              <a:rPr lang="en-CA" dirty="0"/>
+              <a:t>HTML</a:t>
+            </a:r>
+          </a:p>
+          <a:p>
+            <a:r>
+              <a:rPr lang="en-CA" dirty="0"/>
+              <a:t>Maps API</a:t>
+            </a:r>
+          </a:p>
+          <a:p>
+            <a:r>
+              <a:rPr lang="en-CA" dirty="0"/>
+              <a:t>GitHub</a:t>
+            </a:r>
           </a:p>
           <a:p>
             <a:endParaRPr lang="fr-CA" dirty="0"/>
           </a:p>
         </p:txBody>
       </p:sp>
+      <p:pic>
+        <p:nvPicPr>
+          <p:cNvPr id="5" name="Picture 4" descr="Graphical user interface, application, website&#10;&#10;Description automatically generated">
+            <a:extLst>
+              <a:ext uri="{FF2B5EF4-FFF2-40B4-BE49-F238E27FC236}">
+                <a16:creationId xmlns:a16="http://schemas.microsoft.com/office/drawing/2014/main" id="{12C4F112-BE34-C724-EE9A-17061CB64DA8}"/>
+              </a:ext>
+            </a:extLst>
+          </p:cNvPr>
+          <p:cNvPicPr>
+            <a:picLocks noChangeAspect="1"/>
+          </p:cNvPicPr>
+          <p:nvPr/>
+        </p:nvPicPr>
+        <p:blipFill>
+          <a:blip r:embed="rId2">
+            <a:extLst>
+              <a:ext uri="{28A0092B-C50C-407E-A947-70E740481C1C}">
+                <a14:useLocalDpi xmlns:a14="http://schemas.microsoft.com/office/drawing/2010/main" val="0"/>
+              </a:ext>
+            </a:extLst>
+          </a:blip>
+          <a:stretch>
+            <a:fillRect/>
+          </a:stretch>
+        </p:blipFill>
+        <p:spPr>
+          <a:xfrm>
+            <a:off x="5490210" y="2261531"/>
+            <a:ext cx="5009374" cy="2805249"/>
+          </a:xfrm>
+          <a:prstGeom prst="rect">
+            <a:avLst/>
+          </a:prstGeom>
+        </p:spPr>
+      </p:pic>
     </p:spTree>
     <p:extLst>
       <p:ext uri="{BB962C8B-B14F-4D97-AF65-F5344CB8AC3E}">
-        <p14:creationId xmlns:p14="http://schemas.microsoft.com/office/powerpoint/2010/main" val="4169655036"/>
+        <p14:creationId xmlns:p14="http://schemas.microsoft.com/office/powerpoint/2010/main" val="2268044567"/>
       </p:ext>
     </p:extLst>
   </p:cSld>
